--- a/Proj_Preset.pptx
+++ b/Proj_Preset.pptx
@@ -11,6 +11,7 @@
     <p:sldId id="260" r:id="rId5"/>
     <p:sldId id="259" r:id="rId6"/>
     <p:sldId id="258" r:id="rId7"/>
+    <p:sldId id="262" r:id="rId8"/>
   </p:sldIdLst>
   <p:sldSz cx="12192000" cy="6858000"/>
   <p:notesSz cx="6858000" cy="9144000"/>
@@ -109,7 +110,128 @@
       </a:defRPr>
     </a:lvl9pPr>
   </p:defaultTextStyle>
+  <p:extLst>
+    <p:ext uri="{EFAFB233-063F-42B5-8137-9DF3F51BA10A}">
+      <p15:sldGuideLst xmlns:p15="http://schemas.microsoft.com/office/powerpoint/2012/main"/>
+    </p:ext>
+  </p:extLst>
 </p:presentation>
+</file>
+
+<file path=ppt/changesInfos/changesInfo1.xml><?xml version="1.0" encoding="utf-8"?>
+<pc:chgInfo xmlns:a="http://schemas.openxmlformats.org/drawingml/2006/main" xmlns:r="http://schemas.openxmlformats.org/officeDocument/2006/relationships" xmlns:ac="http://schemas.microsoft.com/office/drawing/2013/main/command" xmlns:pc="http://schemas.microsoft.com/office/powerpoint/2013/main/command">
+  <pc:docChgLst>
+    <pc:chgData name="Mirza WALEED" userId="66f393b7-653a-4501-a944-7f39ae4e8270" providerId="ADAL" clId="{05D46D13-4D39-4B8D-B9C6-725F4FFA750A}"/>
+    <pc:docChg chg="custSel addSld modSld">
+      <pc:chgData name="Mirza WALEED" userId="66f393b7-653a-4501-a944-7f39ae4e8270" providerId="ADAL" clId="{05D46D13-4D39-4B8D-B9C6-725F4FFA750A}" dt="2022-11-23T07:07:15.436" v="18" actId="20577"/>
+      <pc:docMkLst>
+        <pc:docMk/>
+      </pc:docMkLst>
+      <pc:sldChg chg="modSp mod">
+        <pc:chgData name="Mirza WALEED" userId="66f393b7-653a-4501-a944-7f39ae4e8270" providerId="ADAL" clId="{05D46D13-4D39-4B8D-B9C6-725F4FFA750A}" dt="2022-11-23T07:07:15.436" v="18" actId="20577"/>
+        <pc:sldMkLst>
+          <pc:docMk/>
+          <pc:sldMk cId="3885336813" sldId="257"/>
+        </pc:sldMkLst>
+        <pc:spChg chg="mod">
+          <ac:chgData name="Mirza WALEED" userId="66f393b7-653a-4501-a944-7f39ae4e8270" providerId="ADAL" clId="{05D46D13-4D39-4B8D-B9C6-725F4FFA750A}" dt="2022-11-23T07:07:15.436" v="18" actId="20577"/>
+          <ac:spMkLst>
+            <pc:docMk/>
+            <pc:sldMk cId="3885336813" sldId="257"/>
+            <ac:spMk id="3" creationId="{71ACCFDC-7326-6BDE-9811-15CF75DC3447}"/>
+          </ac:spMkLst>
+        </pc:spChg>
+      </pc:sldChg>
+      <pc:sldChg chg="addSp delSp modSp new mod setBg">
+        <pc:chgData name="Mirza WALEED" userId="66f393b7-653a-4501-a944-7f39ae4e8270" providerId="ADAL" clId="{05D46D13-4D39-4B8D-B9C6-725F4FFA750A}" dt="2022-11-18T08:46:54.902" v="4" actId="26606"/>
+        <pc:sldMkLst>
+          <pc:docMk/>
+          <pc:sldMk cId="3106078048" sldId="262"/>
+        </pc:sldMkLst>
+        <pc:spChg chg="del mod">
+          <ac:chgData name="Mirza WALEED" userId="66f393b7-653a-4501-a944-7f39ae4e8270" providerId="ADAL" clId="{05D46D13-4D39-4B8D-B9C6-725F4FFA750A}" dt="2022-11-18T08:46:51.759" v="3" actId="478"/>
+          <ac:spMkLst>
+            <pc:docMk/>
+            <pc:sldMk cId="3106078048" sldId="262"/>
+            <ac:spMk id="2" creationId="{A8F1D314-04C1-FB4F-C218-FE95518CC6A4}"/>
+          </ac:spMkLst>
+        </pc:spChg>
+        <pc:spChg chg="del">
+          <ac:chgData name="Mirza WALEED" userId="66f393b7-653a-4501-a944-7f39ae4e8270" providerId="ADAL" clId="{05D46D13-4D39-4B8D-B9C6-725F4FFA750A}" dt="2022-11-18T08:46:47.261" v="1" actId="22"/>
+          <ac:spMkLst>
+            <pc:docMk/>
+            <pc:sldMk cId="3106078048" sldId="262"/>
+            <ac:spMk id="3" creationId="{BEC1AFFC-EBB7-1F42-79F5-12FE51084F1B}"/>
+          </ac:spMkLst>
+        </pc:spChg>
+        <pc:spChg chg="add">
+          <ac:chgData name="Mirza WALEED" userId="66f393b7-653a-4501-a944-7f39ae4e8270" providerId="ADAL" clId="{05D46D13-4D39-4B8D-B9C6-725F4FFA750A}" dt="2022-11-18T08:46:54.902" v="4" actId="26606"/>
+          <ac:spMkLst>
+            <pc:docMk/>
+            <pc:sldMk cId="3106078048" sldId="262"/>
+            <ac:spMk id="10" creationId="{F3060C83-F051-4F0E-ABAD-AA0DFC48B218}"/>
+          </ac:spMkLst>
+        </pc:spChg>
+        <pc:spChg chg="add">
+          <ac:chgData name="Mirza WALEED" userId="66f393b7-653a-4501-a944-7f39ae4e8270" providerId="ADAL" clId="{05D46D13-4D39-4B8D-B9C6-725F4FFA750A}" dt="2022-11-18T08:46:54.902" v="4" actId="26606"/>
+          <ac:spMkLst>
+            <pc:docMk/>
+            <pc:sldMk cId="3106078048" sldId="262"/>
+            <ac:spMk id="12" creationId="{83C98ABE-055B-441F-B07E-44F97F083C39}"/>
+          </ac:spMkLst>
+        </pc:spChg>
+        <pc:spChg chg="add">
+          <ac:chgData name="Mirza WALEED" userId="66f393b7-653a-4501-a944-7f39ae4e8270" providerId="ADAL" clId="{05D46D13-4D39-4B8D-B9C6-725F4FFA750A}" dt="2022-11-18T08:46:54.902" v="4" actId="26606"/>
+          <ac:spMkLst>
+            <pc:docMk/>
+            <pc:sldMk cId="3106078048" sldId="262"/>
+            <ac:spMk id="14" creationId="{29FDB030-9B49-4CED-8CCD-4D99382388AC}"/>
+          </ac:spMkLst>
+        </pc:spChg>
+        <pc:spChg chg="add">
+          <ac:chgData name="Mirza WALEED" userId="66f393b7-653a-4501-a944-7f39ae4e8270" providerId="ADAL" clId="{05D46D13-4D39-4B8D-B9C6-725F4FFA750A}" dt="2022-11-18T08:46:54.902" v="4" actId="26606"/>
+          <ac:spMkLst>
+            <pc:docMk/>
+            <pc:sldMk cId="3106078048" sldId="262"/>
+            <ac:spMk id="16" creationId="{3783CA14-24A1-485C-8B30-D6A5D87987AD}"/>
+          </ac:spMkLst>
+        </pc:spChg>
+        <pc:spChg chg="add">
+          <ac:chgData name="Mirza WALEED" userId="66f393b7-653a-4501-a944-7f39ae4e8270" providerId="ADAL" clId="{05D46D13-4D39-4B8D-B9C6-725F4FFA750A}" dt="2022-11-18T08:46:54.902" v="4" actId="26606"/>
+          <ac:spMkLst>
+            <pc:docMk/>
+            <pc:sldMk cId="3106078048" sldId="262"/>
+            <ac:spMk id="18" creationId="{9A97C86A-04D6-40F7-AE84-31AB43E6A846}"/>
+          </ac:spMkLst>
+        </pc:spChg>
+        <pc:spChg chg="add">
+          <ac:chgData name="Mirza WALEED" userId="66f393b7-653a-4501-a944-7f39ae4e8270" providerId="ADAL" clId="{05D46D13-4D39-4B8D-B9C6-725F4FFA750A}" dt="2022-11-18T08:46:54.902" v="4" actId="26606"/>
+          <ac:spMkLst>
+            <pc:docMk/>
+            <pc:sldMk cId="3106078048" sldId="262"/>
+            <ac:spMk id="20" creationId="{FF9F2414-84E8-453E-B1F3-389FDE8192D9}"/>
+          </ac:spMkLst>
+        </pc:spChg>
+        <pc:spChg chg="add">
+          <ac:chgData name="Mirza WALEED" userId="66f393b7-653a-4501-a944-7f39ae4e8270" providerId="ADAL" clId="{05D46D13-4D39-4B8D-B9C6-725F4FFA750A}" dt="2022-11-18T08:46:54.902" v="4" actId="26606"/>
+          <ac:spMkLst>
+            <pc:docMk/>
+            <pc:sldMk cId="3106078048" sldId="262"/>
+            <ac:spMk id="22" creationId="{3ECA69A1-7536-43AC-85EF-C7106179F5ED}"/>
+          </ac:spMkLst>
+        </pc:spChg>
+        <pc:picChg chg="add mod ord">
+          <ac:chgData name="Mirza WALEED" userId="66f393b7-653a-4501-a944-7f39ae4e8270" providerId="ADAL" clId="{05D46D13-4D39-4B8D-B9C6-725F4FFA750A}" dt="2022-11-18T08:46:54.902" v="4" actId="26606"/>
+          <ac:picMkLst>
+            <pc:docMk/>
+            <pc:sldMk cId="3106078048" sldId="262"/>
+            <ac:picMk id="5" creationId="{B3F72F08-A85A-80A5-DCA7-A4C582DBB4D3}"/>
+          </ac:picMkLst>
+        </pc:picChg>
+      </pc:sldChg>
+    </pc:docChg>
+  </pc:docChgLst>
+</pc:chgInfo>
 </file>
 
 <file path=ppt/slideLayouts/slideLayout1.xml><?xml version="1.0" encoding="utf-8"?>
@@ -259,7 +381,7 @@
           <a:p>
             <a:fld id="{4147E9A0-399A-4B0F-9D89-ADF1820AAD03}" type="datetimeFigureOut">
               <a:rPr lang="en-US" smtClean="0"/>
-              <a:t>14-Nov-22</a:t>
+              <a:t>23-Nov-22</a:t>
             </a:fld>
             <a:endParaRPr lang="en-US"/>
           </a:p>
@@ -457,7 +579,7 @@
           <a:p>
             <a:fld id="{4147E9A0-399A-4B0F-9D89-ADF1820AAD03}" type="datetimeFigureOut">
               <a:rPr lang="en-US" smtClean="0"/>
-              <a:t>14-Nov-22</a:t>
+              <a:t>23-Nov-22</a:t>
             </a:fld>
             <a:endParaRPr lang="en-US"/>
           </a:p>
@@ -665,7 +787,7 @@
           <a:p>
             <a:fld id="{4147E9A0-399A-4B0F-9D89-ADF1820AAD03}" type="datetimeFigureOut">
               <a:rPr lang="en-US" smtClean="0"/>
-              <a:t>14-Nov-22</a:t>
+              <a:t>23-Nov-22</a:t>
             </a:fld>
             <a:endParaRPr lang="en-US"/>
           </a:p>
@@ -863,7 +985,7 @@
           <a:p>
             <a:fld id="{4147E9A0-399A-4B0F-9D89-ADF1820AAD03}" type="datetimeFigureOut">
               <a:rPr lang="en-US" smtClean="0"/>
-              <a:t>14-Nov-22</a:t>
+              <a:t>23-Nov-22</a:t>
             </a:fld>
             <a:endParaRPr lang="en-US"/>
           </a:p>
@@ -1138,7 +1260,7 @@
           <a:p>
             <a:fld id="{4147E9A0-399A-4B0F-9D89-ADF1820AAD03}" type="datetimeFigureOut">
               <a:rPr lang="en-US" smtClean="0"/>
-              <a:t>14-Nov-22</a:t>
+              <a:t>23-Nov-22</a:t>
             </a:fld>
             <a:endParaRPr lang="en-US"/>
           </a:p>
@@ -1403,7 +1525,7 @@
           <a:p>
             <a:fld id="{4147E9A0-399A-4B0F-9D89-ADF1820AAD03}" type="datetimeFigureOut">
               <a:rPr lang="en-US" smtClean="0"/>
-              <a:t>14-Nov-22</a:t>
+              <a:t>23-Nov-22</a:t>
             </a:fld>
             <a:endParaRPr lang="en-US"/>
           </a:p>
@@ -1815,7 +1937,7 @@
           <a:p>
             <a:fld id="{4147E9A0-399A-4B0F-9D89-ADF1820AAD03}" type="datetimeFigureOut">
               <a:rPr lang="en-US" smtClean="0"/>
-              <a:t>14-Nov-22</a:t>
+              <a:t>23-Nov-22</a:t>
             </a:fld>
             <a:endParaRPr lang="en-US"/>
           </a:p>
@@ -1956,7 +2078,7 @@
           <a:p>
             <a:fld id="{4147E9A0-399A-4B0F-9D89-ADF1820AAD03}" type="datetimeFigureOut">
               <a:rPr lang="en-US" smtClean="0"/>
-              <a:t>14-Nov-22</a:t>
+              <a:t>23-Nov-22</a:t>
             </a:fld>
             <a:endParaRPr lang="en-US"/>
           </a:p>
@@ -2069,7 +2191,7 @@
           <a:p>
             <a:fld id="{4147E9A0-399A-4B0F-9D89-ADF1820AAD03}" type="datetimeFigureOut">
               <a:rPr lang="en-US" smtClean="0"/>
-              <a:t>14-Nov-22</a:t>
+              <a:t>23-Nov-22</a:t>
             </a:fld>
             <a:endParaRPr lang="en-US"/>
           </a:p>
@@ -2380,7 +2502,7 @@
           <a:p>
             <a:fld id="{4147E9A0-399A-4B0F-9D89-ADF1820AAD03}" type="datetimeFigureOut">
               <a:rPr lang="en-US" smtClean="0"/>
-              <a:t>14-Nov-22</a:t>
+              <a:t>23-Nov-22</a:t>
             </a:fld>
             <a:endParaRPr lang="en-US"/>
           </a:p>
@@ -2668,7 +2790,7 @@
           <a:p>
             <a:fld id="{4147E9A0-399A-4B0F-9D89-ADF1820AAD03}" type="datetimeFigureOut">
               <a:rPr lang="en-US" smtClean="0"/>
-              <a:t>14-Nov-22</a:t>
+              <a:t>23-Nov-22</a:t>
             </a:fld>
             <a:endParaRPr lang="en-US"/>
           </a:p>
@@ -2909,7 +3031,7 @@
           <a:p>
             <a:fld id="{4147E9A0-399A-4B0F-9D89-ADF1820AAD03}" type="datetimeFigureOut">
               <a:rPr lang="en-US" smtClean="0"/>
-              <a:t>14-Nov-22</a:t>
+              <a:t>23-Nov-22</a:t>
             </a:fld>
             <a:endParaRPr lang="en-US"/>
           </a:p>
@@ -3462,6 +3584,12 @@
           <a:lstStyle/>
           <a:p>
             <a:r>
+              <a:rPr lang="en-US"/>
+              <a:t>Display</a:t>
+            </a:r>
+          </a:p>
+          <a:p>
+            <a:r>
               <a:rPr lang="en-US" dirty="0"/>
               <a:t>Update</a:t>
             </a:r>
@@ -3841,6 +3969,628 @@
     <p:extLst>
       <p:ext uri="{BB962C8B-B14F-4D97-AF65-F5344CB8AC3E}">
         <p14:creationId xmlns:p14="http://schemas.microsoft.com/office/powerpoint/2010/main" val="2734067665"/>
+      </p:ext>
+    </p:extLst>
+  </p:cSld>
+  <p:clrMapOvr>
+    <a:masterClrMapping/>
+  </p:clrMapOvr>
+</p:sld>
+</file>
+
+<file path=ppt/slides/slide7.xml><?xml version="1.0" encoding="utf-8"?>
+<p:sld xmlns:a="http://schemas.openxmlformats.org/drawingml/2006/main" xmlns:r="http://schemas.openxmlformats.org/officeDocument/2006/relationships" xmlns:p="http://schemas.openxmlformats.org/presentationml/2006/main">
+  <p:cSld>
+    <p:bg>
+      <p:bgPr>
+        <a:solidFill>
+          <a:schemeClr val="bg1"/>
+        </a:solidFill>
+        <a:effectLst/>
+      </p:bgPr>
+    </p:bg>
+    <p:spTree>
+      <p:nvGrpSpPr>
+        <p:cNvPr id="1" name=""/>
+        <p:cNvGrpSpPr/>
+        <p:nvPr/>
+      </p:nvGrpSpPr>
+      <p:grpSpPr>
+        <a:xfrm>
+          <a:off x="0" y="0"/>
+          <a:ext cx="0" cy="0"/>
+          <a:chOff x="0" y="0"/>
+          <a:chExt cx="0" cy="0"/>
+        </a:xfrm>
+      </p:grpSpPr>
+      <p:sp>
+        <p:nvSpPr>
+          <p:cNvPr id="10" name="Rectangle 9">
+            <a:extLst>
+              <a:ext uri="{FF2B5EF4-FFF2-40B4-BE49-F238E27FC236}">
+                <a16:creationId xmlns:a16="http://schemas.microsoft.com/office/drawing/2014/main" id="{F3060C83-F051-4F0E-ABAD-AA0DFC48B218}"/>
+              </a:ext>
+              <a:ext uri="{C183D7F6-B498-43B3-948B-1728B52AA6E4}">
+                <adec:decorative xmlns:adec="http://schemas.microsoft.com/office/drawing/2017/decorative" val="1"/>
+              </a:ext>
+            </a:extLst>
+          </p:cNvPr>
+          <p:cNvSpPr>
+            <a:spLocks noGrp="1" noRot="1" noChangeAspect="1" noMove="1" noResize="1" noEditPoints="1" noAdjustHandles="1" noChangeArrowheads="1" noChangeShapeType="1" noTextEdit="1"/>
+          </p:cNvSpPr>
+          <p:nvPr>
+            <p:extLst>
+              <p:ext uri="{386F3935-93C4-4BCD-93E2-E3B085C9AB24}">
+                <p16:designElem xmlns:p16="http://schemas.microsoft.com/office/powerpoint/2015/main" val="1"/>
+              </p:ext>
+            </p:extLst>
+          </p:nvPr>
+        </p:nvSpPr>
+        <p:spPr>
+          <a:xfrm>
+            <a:off x="0" y="0"/>
+            <a:ext cx="12192000" cy="6858000"/>
+          </a:xfrm>
+          <a:prstGeom prst="rect">
+            <a:avLst/>
+          </a:prstGeom>
+          <a:solidFill>
+            <a:schemeClr val="bg1"/>
+          </a:solidFill>
+          <a:ln>
+            <a:noFill/>
+          </a:ln>
+        </p:spPr>
+        <p:style>
+          <a:lnRef idx="2">
+            <a:schemeClr val="accent1">
+              <a:shade val="50000"/>
+            </a:schemeClr>
+          </a:lnRef>
+          <a:fillRef idx="1">
+            <a:schemeClr val="accent1"/>
+          </a:fillRef>
+          <a:effectRef idx="0">
+            <a:schemeClr val="accent1"/>
+          </a:effectRef>
+          <a:fontRef idx="minor">
+            <a:schemeClr val="lt1"/>
+          </a:fontRef>
+        </p:style>
+        <p:txBody>
+          <a:bodyPr rtlCol="0" anchor="ctr"/>
+          <a:lstStyle/>
+          <a:p>
+            <a:pPr algn="ctr"/>
+            <a:endParaRPr lang="en-US" dirty="0"/>
+          </a:p>
+        </p:txBody>
+      </p:sp>
+      <p:sp>
+        <p:nvSpPr>
+          <p:cNvPr id="12" name="Freeform: Shape 11">
+            <a:extLst>
+              <a:ext uri="{FF2B5EF4-FFF2-40B4-BE49-F238E27FC236}">
+                <a16:creationId xmlns:a16="http://schemas.microsoft.com/office/drawing/2014/main" id="{83C98ABE-055B-441F-B07E-44F97F083C39}"/>
+              </a:ext>
+              <a:ext uri="{C183D7F6-B498-43B3-948B-1728B52AA6E4}">
+                <adec:decorative xmlns:adec="http://schemas.microsoft.com/office/drawing/2017/decorative" val="1"/>
+              </a:ext>
+            </a:extLst>
+          </p:cNvPr>
+          <p:cNvSpPr>
+            <a:spLocks noGrp="1" noRot="1" noChangeAspect="1" noMove="1" noResize="1" noEditPoints="1" noAdjustHandles="1" noChangeArrowheads="1" noChangeShapeType="1" noTextEdit="1"/>
+          </p:cNvSpPr>
+          <p:nvPr>
+            <p:extLst>
+              <p:ext uri="{386F3935-93C4-4BCD-93E2-E3B085C9AB24}">
+                <p16:designElem xmlns:p16="http://schemas.microsoft.com/office/powerpoint/2015/main" val="1"/>
+              </p:ext>
+            </p:extLst>
+          </p:nvPr>
+        </p:nvSpPr>
+        <p:spPr>
+          <a:xfrm rot="18900000" flipH="1">
+            <a:off x="-376156" y="-253670"/>
+            <a:ext cx="1827638" cy="1376989"/>
+          </a:xfrm>
+          <a:custGeom>
+            <a:avLst/>
+            <a:gdLst>
+              <a:gd name="connsiteX0" fmla="*/ 0 w 1827638"/>
+              <a:gd name="connsiteY0" fmla="*/ 987379 h 1376989"/>
+              <a:gd name="connsiteX1" fmla="*/ 987379 w 1827638"/>
+              <a:gd name="connsiteY1" fmla="*/ 0 h 1376989"/>
+              <a:gd name="connsiteX2" fmla="*/ 1827638 w 1827638"/>
+              <a:gd name="connsiteY2" fmla="*/ 840260 h 1376989"/>
+              <a:gd name="connsiteX3" fmla="*/ 1827638 w 1827638"/>
+              <a:gd name="connsiteY3" fmla="*/ 1376989 h 1376989"/>
+              <a:gd name="connsiteX4" fmla="*/ 0 w 1827638"/>
+              <a:gd name="connsiteY4" fmla="*/ 1376989 h 1376989"/>
+            </a:gdLst>
+            <a:ahLst/>
+            <a:cxnLst>
+              <a:cxn ang="0">
+                <a:pos x="connsiteX0" y="connsiteY0"/>
+              </a:cxn>
+              <a:cxn ang="0">
+                <a:pos x="connsiteX1" y="connsiteY1"/>
+              </a:cxn>
+              <a:cxn ang="0">
+                <a:pos x="connsiteX2" y="connsiteY2"/>
+              </a:cxn>
+              <a:cxn ang="0">
+                <a:pos x="connsiteX3" y="connsiteY3"/>
+              </a:cxn>
+              <a:cxn ang="0">
+                <a:pos x="connsiteX4" y="connsiteY4"/>
+              </a:cxn>
+            </a:cxnLst>
+            <a:rect l="l" t="t" r="r" b="b"/>
+            <a:pathLst>
+              <a:path w="1827638" h="1376989">
+                <a:moveTo>
+                  <a:pt x="0" y="987379"/>
+                </a:moveTo>
+                <a:lnTo>
+                  <a:pt x="987379" y="0"/>
+                </a:lnTo>
+                <a:lnTo>
+                  <a:pt x="1827638" y="840260"/>
+                </a:lnTo>
+                <a:lnTo>
+                  <a:pt x="1827638" y="1376989"/>
+                </a:lnTo>
+                <a:lnTo>
+                  <a:pt x="0" y="1376989"/>
+                </a:lnTo>
+                <a:close/>
+              </a:path>
+            </a:pathLst>
+          </a:custGeom>
+          <a:solidFill>
+            <a:schemeClr val="accent1">
+              <a:alpha val="30000"/>
+            </a:schemeClr>
+          </a:solidFill>
+          <a:ln>
+            <a:noFill/>
+          </a:ln>
+        </p:spPr>
+        <p:style>
+          <a:lnRef idx="2">
+            <a:schemeClr val="accent1">
+              <a:shade val="50000"/>
+            </a:schemeClr>
+          </a:lnRef>
+          <a:fillRef idx="1">
+            <a:schemeClr val="accent1"/>
+          </a:fillRef>
+          <a:effectRef idx="0">
+            <a:schemeClr val="accent1"/>
+          </a:effectRef>
+          <a:fontRef idx="minor">
+            <a:schemeClr val="lt1"/>
+          </a:fontRef>
+        </p:style>
+        <p:txBody>
+          <a:bodyPr rtlCol="0" anchor="ctr"/>
+          <a:lstStyle/>
+          <a:p>
+            <a:pPr algn="ctr"/>
+            <a:endParaRPr lang="en-US" dirty="0"/>
+          </a:p>
+        </p:txBody>
+      </p:sp>
+      <p:sp>
+        <p:nvSpPr>
+          <p:cNvPr id="14" name="Rectangle 13">
+            <a:extLst>
+              <a:ext uri="{FF2B5EF4-FFF2-40B4-BE49-F238E27FC236}">
+                <a16:creationId xmlns:a16="http://schemas.microsoft.com/office/drawing/2014/main" id="{29FDB030-9B49-4CED-8CCD-4D99382388AC}"/>
+              </a:ext>
+              <a:ext uri="{C183D7F6-B498-43B3-948B-1728B52AA6E4}">
+                <adec:decorative xmlns:adec="http://schemas.microsoft.com/office/drawing/2017/decorative" val="1"/>
+              </a:ext>
+            </a:extLst>
+          </p:cNvPr>
+          <p:cNvSpPr>
+            <a:spLocks noGrp="1" noRot="1" noChangeAspect="1" noMove="1" noResize="1" noEditPoints="1" noAdjustHandles="1" noChangeArrowheads="1" noChangeShapeType="1" noTextEdit="1"/>
+          </p:cNvSpPr>
+          <p:nvPr>
+            <p:extLst>
+              <p:ext uri="{386F3935-93C4-4BCD-93E2-E3B085C9AB24}">
+                <p16:designElem xmlns:p16="http://schemas.microsoft.com/office/powerpoint/2015/main" val="1"/>
+              </p:ext>
+            </p:extLst>
+          </p:nvPr>
+        </p:nvSpPr>
+        <p:spPr>
+          <a:xfrm rot="18900000" flipH="1">
+            <a:off x="891641" y="422146"/>
+            <a:ext cx="645368" cy="645368"/>
+          </a:xfrm>
+          <a:prstGeom prst="rect">
+            <a:avLst/>
+          </a:prstGeom>
+          <a:solidFill>
+            <a:schemeClr val="accent1">
+              <a:alpha val="30000"/>
+            </a:schemeClr>
+          </a:solidFill>
+          <a:ln>
+            <a:noFill/>
+          </a:ln>
+        </p:spPr>
+        <p:style>
+          <a:lnRef idx="2">
+            <a:schemeClr val="accent1">
+              <a:shade val="50000"/>
+            </a:schemeClr>
+          </a:lnRef>
+          <a:fillRef idx="1">
+            <a:schemeClr val="accent1"/>
+          </a:fillRef>
+          <a:effectRef idx="0">
+            <a:schemeClr val="accent1"/>
+          </a:effectRef>
+          <a:fontRef idx="minor">
+            <a:schemeClr val="lt1"/>
+          </a:fontRef>
+        </p:style>
+        <p:txBody>
+          <a:bodyPr rtlCol="0" anchor="ctr"/>
+          <a:lstStyle/>
+          <a:p>
+            <a:pPr algn="ctr"/>
+            <a:endParaRPr lang="en-US"/>
+          </a:p>
+        </p:txBody>
+      </p:sp>
+      <p:sp>
+        <p:nvSpPr>
+          <p:cNvPr id="16" name="Rectangle 15">
+            <a:extLst>
+              <a:ext uri="{FF2B5EF4-FFF2-40B4-BE49-F238E27FC236}">
+                <a16:creationId xmlns:a16="http://schemas.microsoft.com/office/drawing/2014/main" id="{3783CA14-24A1-485C-8B30-D6A5D87987AD}"/>
+              </a:ext>
+              <a:ext uri="{C183D7F6-B498-43B3-948B-1728B52AA6E4}">
+                <adec:decorative xmlns:adec="http://schemas.microsoft.com/office/drawing/2017/decorative" val="1"/>
+              </a:ext>
+            </a:extLst>
+          </p:cNvPr>
+          <p:cNvSpPr>
+            <a:spLocks noGrp="1" noRot="1" noChangeAspect="1" noMove="1" noResize="1" noEditPoints="1" noAdjustHandles="1" noChangeArrowheads="1" noChangeShapeType="1" noTextEdit="1"/>
+          </p:cNvSpPr>
+          <p:nvPr>
+            <p:extLst>
+              <p:ext uri="{386F3935-93C4-4BCD-93E2-E3B085C9AB24}">
+                <p16:designElem xmlns:p16="http://schemas.microsoft.com/office/powerpoint/2015/main" val="1"/>
+              </p:ext>
+            </p:extLst>
+          </p:nvPr>
+        </p:nvSpPr>
+        <p:spPr>
+          <a:xfrm rot="18900000" flipH="1">
+            <a:off x="10043482" y="655140"/>
+            <a:ext cx="687472" cy="687472"/>
+          </a:xfrm>
+          <a:prstGeom prst="rect">
+            <a:avLst/>
+          </a:prstGeom>
+          <a:solidFill>
+            <a:schemeClr val="accent4">
+              <a:alpha val="30000"/>
+            </a:schemeClr>
+          </a:solidFill>
+          <a:ln>
+            <a:noFill/>
+          </a:ln>
+        </p:spPr>
+        <p:style>
+          <a:lnRef idx="2">
+            <a:schemeClr val="accent1">
+              <a:shade val="50000"/>
+            </a:schemeClr>
+          </a:lnRef>
+          <a:fillRef idx="1">
+            <a:schemeClr val="accent1"/>
+          </a:fillRef>
+          <a:effectRef idx="0">
+            <a:schemeClr val="accent1"/>
+          </a:effectRef>
+          <a:fontRef idx="minor">
+            <a:schemeClr val="lt1"/>
+          </a:fontRef>
+        </p:style>
+        <p:txBody>
+          <a:bodyPr rtlCol="0" anchor="ctr"/>
+          <a:lstStyle/>
+          <a:p>
+            <a:pPr algn="ctr"/>
+            <a:endParaRPr lang="en-US"/>
+          </a:p>
+        </p:txBody>
+      </p:sp>
+      <p:sp>
+        <p:nvSpPr>
+          <p:cNvPr id="18" name="Freeform: Shape 17">
+            <a:extLst>
+              <a:ext uri="{FF2B5EF4-FFF2-40B4-BE49-F238E27FC236}">
+                <a16:creationId xmlns:a16="http://schemas.microsoft.com/office/drawing/2014/main" id="{9A97C86A-04D6-40F7-AE84-31AB43E6A846}"/>
+              </a:ext>
+              <a:ext uri="{C183D7F6-B498-43B3-948B-1728B52AA6E4}">
+                <adec:decorative xmlns:adec="http://schemas.microsoft.com/office/drawing/2017/decorative" val="1"/>
+              </a:ext>
+            </a:extLst>
+          </p:cNvPr>
+          <p:cNvSpPr>
+            <a:spLocks noGrp="1" noRot="1" noChangeAspect="1" noMove="1" noResize="1" noEditPoints="1" noAdjustHandles="1" noChangeArrowheads="1" noChangeShapeType="1" noTextEdit="1"/>
+          </p:cNvSpPr>
+          <p:nvPr>
+            <p:extLst>
+              <p:ext uri="{386F3935-93C4-4BCD-93E2-E3B085C9AB24}">
+                <p16:designElem xmlns:p16="http://schemas.microsoft.com/office/powerpoint/2015/main" val="1"/>
+              </p:ext>
+            </p:extLst>
+          </p:nvPr>
+        </p:nvSpPr>
+        <p:spPr>
+          <a:xfrm rot="10800000" flipH="1">
+            <a:off x="9356643" y="0"/>
+            <a:ext cx="2835357" cy="1480837"/>
+          </a:xfrm>
+          <a:custGeom>
+            <a:avLst/>
+            <a:gdLst>
+              <a:gd name="connsiteX0" fmla="*/ 2835357 w 2835357"/>
+              <a:gd name="connsiteY0" fmla="*/ 1480837 h 1480837"/>
+              <a:gd name="connsiteX1" fmla="*/ 0 w 2835357"/>
+              <a:gd name="connsiteY1" fmla="*/ 1480837 h 1480837"/>
+              <a:gd name="connsiteX2" fmla="*/ 1552727 w 2835357"/>
+              <a:gd name="connsiteY2" fmla="*/ 0 h 1480837"/>
+              <a:gd name="connsiteX3" fmla="*/ 2835357 w 2835357"/>
+              <a:gd name="connsiteY3" fmla="*/ 1223245 h 1480837"/>
+            </a:gdLst>
+            <a:ahLst/>
+            <a:cxnLst>
+              <a:cxn ang="0">
+                <a:pos x="connsiteX0" y="connsiteY0"/>
+              </a:cxn>
+              <a:cxn ang="0">
+                <a:pos x="connsiteX1" y="connsiteY1"/>
+              </a:cxn>
+              <a:cxn ang="0">
+                <a:pos x="connsiteX2" y="connsiteY2"/>
+              </a:cxn>
+              <a:cxn ang="0">
+                <a:pos x="connsiteX3" y="connsiteY3"/>
+              </a:cxn>
+            </a:cxnLst>
+            <a:rect l="l" t="t" r="r" b="b"/>
+            <a:pathLst>
+              <a:path w="2835357" h="1480837">
+                <a:moveTo>
+                  <a:pt x="2835357" y="1480837"/>
+                </a:moveTo>
+                <a:lnTo>
+                  <a:pt x="0" y="1480837"/>
+                </a:lnTo>
+                <a:lnTo>
+                  <a:pt x="1552727" y="0"/>
+                </a:lnTo>
+                <a:lnTo>
+                  <a:pt x="2835357" y="1223245"/>
+                </a:lnTo>
+                <a:close/>
+              </a:path>
+            </a:pathLst>
+          </a:custGeom>
+          <a:solidFill>
+            <a:schemeClr val="accent4">
+              <a:alpha val="30000"/>
+            </a:schemeClr>
+          </a:solidFill>
+          <a:ln>
+            <a:noFill/>
+          </a:ln>
+        </p:spPr>
+        <p:style>
+          <a:lnRef idx="2">
+            <a:schemeClr val="accent1">
+              <a:shade val="50000"/>
+            </a:schemeClr>
+          </a:lnRef>
+          <a:fillRef idx="1">
+            <a:schemeClr val="accent1"/>
+          </a:fillRef>
+          <a:effectRef idx="0">
+            <a:schemeClr val="accent1"/>
+          </a:effectRef>
+          <a:fontRef idx="minor">
+            <a:schemeClr val="lt1"/>
+          </a:fontRef>
+        </p:style>
+        <p:txBody>
+          <a:bodyPr wrap="square" rtlCol="0" anchor="ctr">
+            <a:noAutofit/>
+          </a:bodyPr>
+          <a:lstStyle/>
+          <a:p>
+            <a:pPr algn="ctr"/>
+            <a:endParaRPr lang="en-US" dirty="0"/>
+          </a:p>
+        </p:txBody>
+      </p:sp>
+      <p:sp>
+        <p:nvSpPr>
+          <p:cNvPr id="20" name="Isosceles Triangle 19">
+            <a:extLst>
+              <a:ext uri="{FF2B5EF4-FFF2-40B4-BE49-F238E27FC236}">
+                <a16:creationId xmlns:a16="http://schemas.microsoft.com/office/drawing/2014/main" id="{FF9F2414-84E8-453E-B1F3-389FDE8192D9}"/>
+              </a:ext>
+              <a:ext uri="{C183D7F6-B498-43B3-948B-1728B52AA6E4}">
+                <adec:decorative xmlns:adec="http://schemas.microsoft.com/office/drawing/2017/decorative" val="1"/>
+              </a:ext>
+            </a:extLst>
+          </p:cNvPr>
+          <p:cNvSpPr>
+            <a:spLocks noGrp="1" noRot="1" noChangeAspect="1" noMove="1" noResize="1" noEditPoints="1" noAdjustHandles="1" noChangeArrowheads="1" noChangeShapeType="1" noTextEdit="1"/>
+          </p:cNvSpPr>
+          <p:nvPr>
+            <p:extLst>
+              <p:ext uri="{386F3935-93C4-4BCD-93E2-E3B085C9AB24}">
+                <p16:designElem xmlns:p16="http://schemas.microsoft.com/office/powerpoint/2015/main" val="1"/>
+              </p:ext>
+            </p:extLst>
+          </p:nvPr>
+        </p:nvSpPr>
+        <p:spPr>
+          <a:xfrm flipH="1">
+            <a:off x="7976344" y="6115501"/>
+            <a:ext cx="1494513" cy="742499"/>
+          </a:xfrm>
+          <a:prstGeom prst="triangle">
+            <a:avLst/>
+          </a:prstGeom>
+          <a:solidFill>
+            <a:schemeClr val="accent1">
+              <a:alpha val="30000"/>
+            </a:schemeClr>
+          </a:solidFill>
+          <a:ln>
+            <a:noFill/>
+          </a:ln>
+        </p:spPr>
+        <p:style>
+          <a:lnRef idx="2">
+            <a:schemeClr val="accent1">
+              <a:shade val="50000"/>
+            </a:schemeClr>
+          </a:lnRef>
+          <a:fillRef idx="1">
+            <a:schemeClr val="accent1"/>
+          </a:fillRef>
+          <a:effectRef idx="0">
+            <a:schemeClr val="accent1"/>
+          </a:effectRef>
+          <a:fontRef idx="minor">
+            <a:schemeClr val="lt1"/>
+          </a:fontRef>
+        </p:style>
+        <p:txBody>
+          <a:bodyPr rtlCol="0" anchor="ctr"/>
+          <a:lstStyle/>
+          <a:p>
+            <a:pPr algn="ctr"/>
+            <a:endParaRPr lang="en-US"/>
+          </a:p>
+        </p:txBody>
+      </p:sp>
+      <p:pic>
+        <p:nvPicPr>
+          <p:cNvPr id="5" name="Content Placeholder 4">
+            <a:extLst>
+              <a:ext uri="{FF2B5EF4-FFF2-40B4-BE49-F238E27FC236}">
+                <a16:creationId xmlns:a16="http://schemas.microsoft.com/office/drawing/2014/main" id="{B3F72F08-A85A-80A5-DCA7-A4C582DBB4D3}"/>
+              </a:ext>
+            </a:extLst>
+          </p:cNvPr>
+          <p:cNvPicPr>
+            <a:picLocks noGrp="1" noChangeAspect="1"/>
+          </p:cNvPicPr>
+          <p:nvPr>
+            <p:ph idx="1"/>
+          </p:nvPr>
+        </p:nvPicPr>
+        <p:blipFill>
+          <a:blip r:embed="rId2"/>
+          <a:stretch>
+            <a:fillRect/>
+          </a:stretch>
+        </p:blipFill>
+        <p:spPr>
+          <a:xfrm>
+            <a:off x="2739936" y="643467"/>
+            <a:ext cx="6712127" cy="5571065"/>
+          </a:xfrm>
+          <a:prstGeom prst="rect">
+            <a:avLst/>
+          </a:prstGeom>
+          <a:ln>
+            <a:noFill/>
+          </a:ln>
+        </p:spPr>
+      </p:pic>
+      <p:sp>
+        <p:nvSpPr>
+          <p:cNvPr id="22" name="Isosceles Triangle 21">
+            <a:extLst>
+              <a:ext uri="{FF2B5EF4-FFF2-40B4-BE49-F238E27FC236}">
+                <a16:creationId xmlns:a16="http://schemas.microsoft.com/office/drawing/2014/main" id="{3ECA69A1-7536-43AC-85EF-C7106179F5ED}"/>
+              </a:ext>
+              <a:ext uri="{C183D7F6-B498-43B3-948B-1728B52AA6E4}">
+                <adec:decorative xmlns:adec="http://schemas.microsoft.com/office/drawing/2017/decorative" val="1"/>
+              </a:ext>
+            </a:extLst>
+          </p:cNvPr>
+          <p:cNvSpPr>
+            <a:spLocks noGrp="1" noRot="1" noChangeAspect="1" noMove="1" noResize="1" noEditPoints="1" noAdjustHandles="1" noChangeArrowheads="1" noChangeShapeType="1" noTextEdit="1"/>
+          </p:cNvSpPr>
+          <p:nvPr>
+            <p:extLst>
+              <p:ext uri="{386F3935-93C4-4BCD-93E2-E3B085C9AB24}">
+                <p16:designElem xmlns:p16="http://schemas.microsoft.com/office/powerpoint/2015/main" val="1"/>
+              </p:ext>
+            </p:extLst>
+          </p:nvPr>
+        </p:nvSpPr>
+        <p:spPr>
+          <a:xfrm flipH="1">
+            <a:off x="7604080" y="6453143"/>
+            <a:ext cx="814903" cy="404857"/>
+          </a:xfrm>
+          <a:prstGeom prst="triangle">
+            <a:avLst/>
+          </a:prstGeom>
+          <a:solidFill>
+            <a:schemeClr val="accent1">
+              <a:alpha val="30000"/>
+            </a:schemeClr>
+          </a:solidFill>
+          <a:ln>
+            <a:noFill/>
+          </a:ln>
+        </p:spPr>
+        <p:style>
+          <a:lnRef idx="2">
+            <a:schemeClr val="accent1">
+              <a:shade val="50000"/>
+            </a:schemeClr>
+          </a:lnRef>
+          <a:fillRef idx="1">
+            <a:schemeClr val="accent1"/>
+          </a:fillRef>
+          <a:effectRef idx="0">
+            <a:schemeClr val="accent1"/>
+          </a:effectRef>
+          <a:fontRef idx="minor">
+            <a:schemeClr val="lt1"/>
+          </a:fontRef>
+        </p:style>
+        <p:txBody>
+          <a:bodyPr rtlCol="0" anchor="ctr"/>
+          <a:lstStyle/>
+          <a:p>
+            <a:pPr algn="ctr"/>
+            <a:endParaRPr lang="en-US"/>
+          </a:p>
+        </p:txBody>
+      </p:sp>
+    </p:spTree>
+    <p:extLst>
+      <p:ext uri="{BB962C8B-B14F-4D97-AF65-F5344CB8AC3E}">
+        <p14:creationId xmlns:p14="http://schemas.microsoft.com/office/powerpoint/2010/main" val="3106078048"/>
       </p:ext>
     </p:extLst>
   </p:cSld>
